--- a/设计模式4.pptx
+++ b/设计模式4.pptx
@@ -3496,7 +3496,47 @@
             </a:pPr>
             <a:r>
               <a:rPr lang="zh-CN" altLang="en-US" dirty="0"/>
-              <a:t>微信公众号服务，不定时发布一些消息，关注公众号就可以收到推送消息，取消关注就收不到推送消息。</a:t>
+              <a:t>微信公众号服务，不定时发布一些消息，关注公众号就可以收到推送消息，取消关注就收不到推送消息</a:t>
+            </a:r>
+            <a:r>
+              <a:rPr lang="zh-CN" altLang="en-US" dirty="0" smtClean="0"/>
+              <a:t>。</a:t>
+            </a:r>
+            <a:endParaRPr lang="en-US" altLang="zh-CN" dirty="0" smtClean="0"/>
+          </a:p>
+          <a:p>
+            <a:pPr marL="0" indent="0">
+              <a:buNone/>
+            </a:pPr>
+            <a:endParaRPr lang="en-US" altLang="zh-CN" dirty="0"/>
+          </a:p>
+          <a:p>
+            <a:pPr marL="0" indent="0">
+              <a:buNone/>
+            </a:pPr>
+            <a:r>
+              <a:rPr lang="en-US" altLang="zh-CN" dirty="0" err="1"/>
+              <a:t>Dubbo</a:t>
+            </a:r>
+            <a:r>
+              <a:rPr lang="zh-CN" altLang="en-US" dirty="0"/>
+              <a:t>的</a:t>
+            </a:r>
+            <a:r>
+              <a:rPr lang="en-US" altLang="zh-CN" dirty="0"/>
+              <a:t>Provider</a:t>
+            </a:r>
+            <a:r>
+              <a:rPr lang="zh-CN" altLang="en-US" dirty="0"/>
+              <a:t>启动时，需要与注册中心交互，先注册自己的服务，再订阅自己的服务，订阅时，采用了观察者模式，开启一个</a:t>
+            </a:r>
+            <a:r>
+              <a:rPr lang="en-US" altLang="zh-CN" dirty="0"/>
+              <a:t>listener</a:t>
+            </a:r>
+            <a:r>
+              <a:rPr lang="zh-CN" altLang="en-US" dirty="0"/>
+              <a:t>。</a:t>
             </a:r>
             <a:endParaRPr lang="zh-CN" altLang="en-US" dirty="0"/>
           </a:p>
@@ -3549,11 +3589,7 @@
           <a:p>
             <a:r>
               <a:rPr lang="zh-CN" altLang="en-US" dirty="0" smtClean="0"/>
-              <a:t>一</a:t>
-            </a:r>
-            <a:r>
-              <a:rPr lang="zh-CN" altLang="en-US" dirty="0" smtClean="0"/>
-              <a:t>、迪米特法则</a:t>
+              <a:t>一、迪米特法则</a:t>
             </a:r>
             <a:endParaRPr lang="zh-CN" altLang="en-US" dirty="0"/>
           </a:p>
@@ -3651,11 +3687,7 @@
           <a:p>
             <a:r>
               <a:rPr lang="zh-CN" altLang="en-US" dirty="0" smtClean="0"/>
-              <a:t>二</a:t>
-            </a:r>
-            <a:r>
-              <a:rPr lang="zh-CN" altLang="en-US" dirty="0" smtClean="0"/>
-              <a:t>、外观模式</a:t>
+              <a:t>二、外观模式</a:t>
             </a:r>
             <a:r>
               <a:rPr lang="en-US" altLang="zh-CN" dirty="0"/>
@@ -3938,11 +3970,7 @@
             </a:r>
             <a:r>
               <a:rPr lang="zh-CN" altLang="en-US" dirty="0" smtClean="0"/>
-              <a:t>模式</a:t>
-            </a:r>
-            <a:r>
-              <a:rPr lang="zh-CN" altLang="en-US" dirty="0" smtClean="0"/>
-              <a:t>结构图</a:t>
+              <a:t>模式结构图</a:t>
             </a:r>
             <a:endParaRPr lang="zh-CN" altLang="en-US" dirty="0"/>
           </a:p>
